--- a/Documentation/BILLY NO WEIGHTS.pptx
+++ b/Documentation/BILLY NO WEIGHTS.pptx
@@ -5,10 +5,10 @@
     <p:sldMasterId id="2147483727" r:id="rId1"/>
   </p:sldMasterIdLst>
   <p:notesMasterIdLst>
-    <p:notesMasterId r:id="rId16"/>
+    <p:notesMasterId r:id="rId17"/>
   </p:notesMasterIdLst>
   <p:handoutMasterIdLst>
-    <p:handoutMasterId r:id="rId17"/>
+    <p:handoutMasterId r:id="rId18"/>
   </p:handoutMasterIdLst>
   <p:sldIdLst>
     <p:sldId id="262" r:id="rId2"/>
@@ -16,15 +16,16 @@
     <p:sldId id="285" r:id="rId4"/>
     <p:sldId id="257" r:id="rId5"/>
     <p:sldId id="281" r:id="rId6"/>
-    <p:sldId id="282" r:id="rId7"/>
-    <p:sldId id="283" r:id="rId8"/>
-    <p:sldId id="284" r:id="rId9"/>
-    <p:sldId id="286" r:id="rId10"/>
-    <p:sldId id="288" r:id="rId11"/>
-    <p:sldId id="293" r:id="rId12"/>
-    <p:sldId id="289" r:id="rId13"/>
-    <p:sldId id="290" r:id="rId14"/>
-    <p:sldId id="292" r:id="rId15"/>
+    <p:sldId id="294" r:id="rId7"/>
+    <p:sldId id="282" r:id="rId8"/>
+    <p:sldId id="283" r:id="rId9"/>
+    <p:sldId id="284" r:id="rId10"/>
+    <p:sldId id="286" r:id="rId11"/>
+    <p:sldId id="288" r:id="rId12"/>
+    <p:sldId id="293" r:id="rId13"/>
+    <p:sldId id="289" r:id="rId14"/>
+    <p:sldId id="290" r:id="rId15"/>
+    <p:sldId id="292" r:id="rId16"/>
   </p:sldIdLst>
   <p:sldSz cx="12192000" cy="6858000"/>
   <p:notesSz cx="6858000" cy="9144000"/>
@@ -5612,6 +5613,160 @@
           <a:p>
             <a:r>
               <a:rPr lang="en-GB" dirty="0" smtClean="0"/>
+              <a:t>Testing</a:t>
+            </a:r>
+            <a:endParaRPr lang="en-GB" dirty="0"/>
+          </a:p>
+        </p:txBody>
+      </p:sp>
+      <p:pic>
+        <p:nvPicPr>
+          <p:cNvPr id="4" name="Content Placeholder 3"/>
+          <p:cNvPicPr>
+            <a:picLocks noGrp="1" noChangeAspect="1"/>
+          </p:cNvPicPr>
+          <p:nvPr>
+            <p:ph idx="1"/>
+          </p:nvPr>
+        </p:nvPicPr>
+        <p:blipFill>
+          <a:blip r:embed="rId2">
+            <a:extLst>
+              <a:ext uri="{28A0092B-C50C-407E-A947-70E740481C1C}">
+                <a14:useLocalDpi xmlns:a14="http://schemas.microsoft.com/office/drawing/2010/main" val="0"/>
+              </a:ext>
+            </a:extLst>
+          </a:blip>
+          <a:stretch>
+            <a:fillRect/>
+          </a:stretch>
+        </p:blipFill>
+        <p:spPr>
+          <a:xfrm>
+            <a:off x="892903" y="3310236"/>
+            <a:ext cx="3422423" cy="2669645"/>
+          </a:xfrm>
+        </p:spPr>
+      </p:pic>
+      <p:pic>
+        <p:nvPicPr>
+          <p:cNvPr id="5" name="Picture 4"/>
+          <p:cNvPicPr>
+            <a:picLocks noChangeAspect="1"/>
+          </p:cNvPicPr>
+          <p:nvPr/>
+        </p:nvPicPr>
+        <p:blipFill>
+          <a:blip r:embed="rId3"/>
+          <a:stretch>
+            <a:fillRect/>
+          </a:stretch>
+        </p:blipFill>
+        <p:spPr>
+          <a:xfrm>
+            <a:off x="6108192" y="443547"/>
+            <a:ext cx="4610100" cy="2495550"/>
+          </a:xfrm>
+          <a:prstGeom prst="rect">
+            <a:avLst/>
+          </a:prstGeom>
+        </p:spPr>
+      </p:pic>
+      <p:pic>
+        <p:nvPicPr>
+          <p:cNvPr id="6" name="Picture 5"/>
+          <p:cNvPicPr>
+            <a:picLocks noChangeAspect="1"/>
+          </p:cNvPicPr>
+          <p:nvPr/>
+        </p:nvPicPr>
+        <p:blipFill rotWithShape="1">
+          <a:blip r:embed="rId4">
+            <a:extLst>
+              <a:ext uri="{28A0092B-C50C-407E-A947-70E740481C1C}">
+                <a14:useLocalDpi xmlns:a14="http://schemas.microsoft.com/office/drawing/2010/main" val="0"/>
+              </a:ext>
+            </a:extLst>
+          </a:blip>
+          <a:srcRect r="50797" b="18535"/>
+          <a:stretch/>
+        </p:blipFill>
+        <p:spPr>
+          <a:xfrm>
+            <a:off x="5348270" y="2806093"/>
+            <a:ext cx="4073964" cy="3393734"/>
+          </a:xfrm>
+          <a:prstGeom prst="rect">
+            <a:avLst/>
+          </a:prstGeom>
+        </p:spPr>
+      </p:pic>
+    </p:spTree>
+    <p:extLst>
+      <p:ext uri="{BB962C8B-B14F-4D97-AF65-F5344CB8AC3E}">
+        <p14:creationId xmlns:p14="http://schemas.microsoft.com/office/powerpoint/2010/main" val="1307158052"/>
+      </p:ext>
+    </p:extLst>
+  </p:cSld>
+  <p:clrMapOvr>
+    <a:masterClrMapping/>
+  </p:clrMapOvr>
+  <mc:AlternateContent xmlns:mc="http://schemas.openxmlformats.org/markup-compatibility/2006" xmlns:p14="http://schemas.microsoft.com/office/powerpoint/2010/main">
+    <mc:Choice Requires="p14">
+      <p:transition spd="med" p14:dur="700">
+        <p:fade/>
+      </p:transition>
+    </mc:Choice>
+    <mc:Fallback xmlns="">
+      <p:transition spd="med">
+        <p:fade/>
+      </p:transition>
+    </mc:Fallback>
+  </mc:AlternateContent>
+  <p:timing>
+    <p:tnLst>
+      <p:par>
+        <p:cTn id="1" dur="indefinite" restart="never" nodeType="tmRoot"/>
+      </p:par>
+    </p:tnLst>
+  </p:timing>
+</p:sld>
+</file>
+
+<file path=ppt/slides/slide11.xml><?xml version="1.0" encoding="utf-8"?>
+<p:sld xmlns:a="http://schemas.openxmlformats.org/drawingml/2006/main" xmlns:r="http://schemas.openxmlformats.org/officeDocument/2006/relationships" xmlns:p="http://schemas.openxmlformats.org/presentationml/2006/main">
+  <p:cSld>
+    <p:spTree>
+      <p:nvGrpSpPr>
+        <p:cNvPr id="1" name=""/>
+        <p:cNvGrpSpPr/>
+        <p:nvPr/>
+      </p:nvGrpSpPr>
+      <p:grpSpPr>
+        <a:xfrm>
+          <a:off x="0" y="0"/>
+          <a:ext cx="0" cy="0"/>
+          <a:chOff x="0" y="0"/>
+          <a:chExt cx="0" cy="0"/>
+        </a:xfrm>
+      </p:grpSpPr>
+      <p:sp>
+        <p:nvSpPr>
+          <p:cNvPr id="2" name="Title 1"/>
+          <p:cNvSpPr>
+            <a:spLocks noGrp="1"/>
+          </p:cNvSpPr>
+          <p:nvPr>
+            <p:ph type="title"/>
+          </p:nvPr>
+        </p:nvSpPr>
+        <p:spPr/>
+        <p:txBody>
+          <a:bodyPr/>
+          <a:lstStyle/>
+          <a:p>
+            <a:r>
+              <a:rPr lang="en-GB" dirty="0" smtClean="0"/>
               <a:t>Technologies Used &amp; DevOps Pipeline</a:t>
             </a:r>
             <a:endParaRPr lang="en-GB" dirty="0"/>
@@ -5646,7 +5801,6 @@
               <a:rPr lang="en-GB" dirty="0"/>
               <a:t>Java </a:t>
             </a:r>
-            <a:endParaRPr lang="en-GB" dirty="0"/>
           </a:p>
           <a:p>
             <a:r>
@@ -5769,7 +5923,7 @@
 </p:sld>
 </file>
 
-<file path=ppt/slides/slide11.xml><?xml version="1.0" encoding="utf-8"?>
+<file path=ppt/slides/slide12.xml><?xml version="1.0" encoding="utf-8"?>
 <p:sld xmlns:a="http://schemas.openxmlformats.org/drawingml/2006/main" xmlns:r="http://schemas.openxmlformats.org/officeDocument/2006/relationships" xmlns:p="http://schemas.openxmlformats.org/presentationml/2006/main">
   <p:cSld>
     <p:spTree>
@@ -5891,7 +6045,7 @@
 </p:sld>
 </file>
 
-<file path=ppt/slides/slide12.xml><?xml version="1.0" encoding="utf-8"?>
+<file path=ppt/slides/slide13.xml><?xml version="1.0" encoding="utf-8"?>
 <p:sld xmlns:a="http://schemas.openxmlformats.org/drawingml/2006/main" xmlns:r="http://schemas.openxmlformats.org/officeDocument/2006/relationships" xmlns:p="http://schemas.openxmlformats.org/presentationml/2006/main">
   <p:cSld>
     <p:spTree>
@@ -6302,7 +6456,7 @@
 </p:sld>
 </file>
 
-<file path=ppt/slides/slide13.xml><?xml version="1.0" encoding="utf-8"?>
+<file path=ppt/slides/slide14.xml><?xml version="1.0" encoding="utf-8"?>
 <p:sld xmlns:a="http://schemas.openxmlformats.org/drawingml/2006/main" xmlns:r="http://schemas.openxmlformats.org/officeDocument/2006/relationships" xmlns:p="http://schemas.openxmlformats.org/presentationml/2006/main">
   <p:cSld>
     <p:spTree>
@@ -6384,7 +6538,7 @@
 </p:sld>
 </file>
 
-<file path=ppt/slides/slide14.xml><?xml version="1.0" encoding="utf-8"?>
+<file path=ppt/slides/slide15.xml><?xml version="1.0" encoding="utf-8"?>
 <p:sld xmlns:a="http://schemas.openxmlformats.org/drawingml/2006/main" xmlns:r="http://schemas.openxmlformats.org/officeDocument/2006/relationships" xmlns:p="http://schemas.openxmlformats.org/presentationml/2006/main">
   <p:cSld>
     <p:spTree>
@@ -6976,6 +7130,100 @@
           <a:lstStyle/>
           <a:p>
             <a:r>
+              <a:rPr lang="en-GB" dirty="0" smtClean="0"/>
+              <a:t>Solution</a:t>
+            </a:r>
+            <a:endParaRPr lang="en-GB" dirty="0"/>
+          </a:p>
+        </p:txBody>
+      </p:sp>
+      <p:pic>
+        <p:nvPicPr>
+          <p:cNvPr id="4" name="Content Placeholder 3"/>
+          <p:cNvPicPr>
+            <a:picLocks noGrp="1" noChangeAspect="1"/>
+          </p:cNvPicPr>
+          <p:nvPr>
+            <p:ph idx="1"/>
+          </p:nvPr>
+        </p:nvPicPr>
+        <p:blipFill>
+          <a:blip r:embed="rId2">
+            <a:extLst>
+              <a:ext uri="{28A0092B-C50C-407E-A947-70E740481C1C}">
+                <a14:useLocalDpi xmlns:a14="http://schemas.microsoft.com/office/drawing/2010/main" val="0"/>
+              </a:ext>
+            </a:extLst>
+          </a:blip>
+          <a:stretch>
+            <a:fillRect/>
+          </a:stretch>
+        </p:blipFill>
+        <p:spPr>
+          <a:xfrm>
+            <a:off x="1262063" y="1911743"/>
+            <a:ext cx="8594725" cy="4185452"/>
+          </a:xfrm>
+        </p:spPr>
+      </p:pic>
+    </p:spTree>
+    <p:extLst>
+      <p:ext uri="{BB962C8B-B14F-4D97-AF65-F5344CB8AC3E}">
+        <p14:creationId xmlns:p14="http://schemas.microsoft.com/office/powerpoint/2010/main" val="3782263925"/>
+      </p:ext>
+    </p:extLst>
+  </p:cSld>
+  <p:clrMapOvr>
+    <a:masterClrMapping/>
+  </p:clrMapOvr>
+  <mc:AlternateContent xmlns:mc="http://schemas.openxmlformats.org/markup-compatibility/2006" xmlns:p14="http://schemas.microsoft.com/office/powerpoint/2010/main">
+    <mc:Choice Requires="p14">
+      <p:transition spd="med" p14:dur="700">
+        <p:fade/>
+      </p:transition>
+    </mc:Choice>
+    <mc:Fallback xmlns="">
+      <p:transition spd="med">
+        <p:fade/>
+      </p:transition>
+    </mc:Fallback>
+  </mc:AlternateContent>
+</p:sld>
+</file>
+
+<file path=ppt/slides/slide7.xml><?xml version="1.0" encoding="utf-8"?>
+<p:sld xmlns:a="http://schemas.openxmlformats.org/drawingml/2006/main" xmlns:r="http://schemas.openxmlformats.org/officeDocument/2006/relationships" xmlns:p="http://schemas.openxmlformats.org/presentationml/2006/main">
+  <p:cSld>
+    <p:spTree>
+      <p:nvGrpSpPr>
+        <p:cNvPr id="1" name=""/>
+        <p:cNvGrpSpPr/>
+        <p:nvPr/>
+      </p:nvGrpSpPr>
+      <p:grpSpPr>
+        <a:xfrm>
+          <a:off x="0" y="0"/>
+          <a:ext cx="0" cy="0"/>
+          <a:chOff x="0" y="0"/>
+          <a:chExt cx="0" cy="0"/>
+        </a:xfrm>
+      </p:grpSpPr>
+      <p:sp>
+        <p:nvSpPr>
+          <p:cNvPr id="2" name="Title 1"/>
+          <p:cNvSpPr>
+            <a:spLocks noGrp="1"/>
+          </p:cNvSpPr>
+          <p:nvPr>
+            <p:ph type="title"/>
+          </p:nvPr>
+        </p:nvSpPr>
+        <p:spPr/>
+        <p:txBody>
+          <a:bodyPr/>
+          <a:lstStyle/>
+          <a:p>
+            <a:r>
               <a:rPr lang="en-US" dirty="0" smtClean="0"/>
               <a:t>Solution</a:t>
             </a:r>
@@ -7044,7 +7292,7 @@
 </p:sld>
 </file>
 
-<file path=ppt/slides/slide7.xml><?xml version="1.0" encoding="utf-8"?>
+<file path=ppt/slides/slide8.xml><?xml version="1.0" encoding="utf-8"?>
 <p:sld xmlns:a="http://schemas.openxmlformats.org/drawingml/2006/main" xmlns:r="http://schemas.openxmlformats.org/officeDocument/2006/relationships" xmlns:p="http://schemas.openxmlformats.org/presentationml/2006/main">
   <p:cSld>
     <p:spTree>
@@ -7145,7 +7393,7 @@
 </p:sld>
 </file>
 
-<file path=ppt/slides/slide8.xml><?xml version="1.0" encoding="utf-8"?>
+<file path=ppt/slides/slide9.xml><?xml version="1.0" encoding="utf-8"?>
 <p:sld xmlns:a="http://schemas.openxmlformats.org/drawingml/2006/main" xmlns:r="http://schemas.openxmlformats.org/officeDocument/2006/relationships" xmlns:p="http://schemas.openxmlformats.org/presentationml/2006/main">
   <p:cSld>
     <p:spTree>
@@ -7218,160 +7466,6 @@
     <p:extLst>
       <p:ext uri="{BB962C8B-B14F-4D97-AF65-F5344CB8AC3E}">
         <p14:creationId xmlns:p14="http://schemas.microsoft.com/office/powerpoint/2010/main" val="1190622535"/>
-      </p:ext>
-    </p:extLst>
-  </p:cSld>
-  <p:clrMapOvr>
-    <a:masterClrMapping/>
-  </p:clrMapOvr>
-  <mc:AlternateContent xmlns:mc="http://schemas.openxmlformats.org/markup-compatibility/2006" xmlns:p14="http://schemas.microsoft.com/office/powerpoint/2010/main">
-    <mc:Choice Requires="p14">
-      <p:transition spd="med" p14:dur="700">
-        <p:fade/>
-      </p:transition>
-    </mc:Choice>
-    <mc:Fallback xmlns="">
-      <p:transition spd="med">
-        <p:fade/>
-      </p:transition>
-    </mc:Fallback>
-  </mc:AlternateContent>
-  <p:timing>
-    <p:tnLst>
-      <p:par>
-        <p:cTn id="1" dur="indefinite" restart="never" nodeType="tmRoot"/>
-      </p:par>
-    </p:tnLst>
-  </p:timing>
-</p:sld>
-</file>
-
-<file path=ppt/slides/slide9.xml><?xml version="1.0" encoding="utf-8"?>
-<p:sld xmlns:a="http://schemas.openxmlformats.org/drawingml/2006/main" xmlns:r="http://schemas.openxmlformats.org/officeDocument/2006/relationships" xmlns:p="http://schemas.openxmlformats.org/presentationml/2006/main">
-  <p:cSld>
-    <p:spTree>
-      <p:nvGrpSpPr>
-        <p:cNvPr id="1" name=""/>
-        <p:cNvGrpSpPr/>
-        <p:nvPr/>
-      </p:nvGrpSpPr>
-      <p:grpSpPr>
-        <a:xfrm>
-          <a:off x="0" y="0"/>
-          <a:ext cx="0" cy="0"/>
-          <a:chOff x="0" y="0"/>
-          <a:chExt cx="0" cy="0"/>
-        </a:xfrm>
-      </p:grpSpPr>
-      <p:sp>
-        <p:nvSpPr>
-          <p:cNvPr id="2" name="Title 1"/>
-          <p:cNvSpPr>
-            <a:spLocks noGrp="1"/>
-          </p:cNvSpPr>
-          <p:nvPr>
-            <p:ph type="title"/>
-          </p:nvPr>
-        </p:nvSpPr>
-        <p:spPr/>
-        <p:txBody>
-          <a:bodyPr/>
-          <a:lstStyle/>
-          <a:p>
-            <a:r>
-              <a:rPr lang="en-GB" dirty="0" smtClean="0"/>
-              <a:t>Testing</a:t>
-            </a:r>
-            <a:endParaRPr lang="en-GB" dirty="0"/>
-          </a:p>
-        </p:txBody>
-      </p:sp>
-      <p:pic>
-        <p:nvPicPr>
-          <p:cNvPr id="4" name="Content Placeholder 3"/>
-          <p:cNvPicPr>
-            <a:picLocks noGrp="1" noChangeAspect="1"/>
-          </p:cNvPicPr>
-          <p:nvPr>
-            <p:ph idx="1"/>
-          </p:nvPr>
-        </p:nvPicPr>
-        <p:blipFill>
-          <a:blip r:embed="rId2">
-            <a:extLst>
-              <a:ext uri="{28A0092B-C50C-407E-A947-70E740481C1C}">
-                <a14:useLocalDpi xmlns:a14="http://schemas.microsoft.com/office/drawing/2010/main" val="0"/>
-              </a:ext>
-            </a:extLst>
-          </a:blip>
-          <a:stretch>
-            <a:fillRect/>
-          </a:stretch>
-        </p:blipFill>
-        <p:spPr>
-          <a:xfrm>
-            <a:off x="892903" y="3310236"/>
-            <a:ext cx="3422423" cy="2669645"/>
-          </a:xfrm>
-        </p:spPr>
-      </p:pic>
-      <p:pic>
-        <p:nvPicPr>
-          <p:cNvPr id="5" name="Picture 4"/>
-          <p:cNvPicPr>
-            <a:picLocks noChangeAspect="1"/>
-          </p:cNvPicPr>
-          <p:nvPr/>
-        </p:nvPicPr>
-        <p:blipFill>
-          <a:blip r:embed="rId3"/>
-          <a:stretch>
-            <a:fillRect/>
-          </a:stretch>
-        </p:blipFill>
-        <p:spPr>
-          <a:xfrm>
-            <a:off x="6108192" y="443547"/>
-            <a:ext cx="4610100" cy="2495550"/>
-          </a:xfrm>
-          <a:prstGeom prst="rect">
-            <a:avLst/>
-          </a:prstGeom>
-        </p:spPr>
-      </p:pic>
-      <p:pic>
-        <p:nvPicPr>
-          <p:cNvPr id="6" name="Picture 5"/>
-          <p:cNvPicPr>
-            <a:picLocks noChangeAspect="1"/>
-          </p:cNvPicPr>
-          <p:nvPr/>
-        </p:nvPicPr>
-        <p:blipFill rotWithShape="1">
-          <a:blip r:embed="rId4">
-            <a:extLst>
-              <a:ext uri="{28A0092B-C50C-407E-A947-70E740481C1C}">
-                <a14:useLocalDpi xmlns:a14="http://schemas.microsoft.com/office/drawing/2010/main" val="0"/>
-              </a:ext>
-            </a:extLst>
-          </a:blip>
-          <a:srcRect r="50797" b="18535"/>
-          <a:stretch/>
-        </p:blipFill>
-        <p:spPr>
-          <a:xfrm>
-            <a:off x="5348270" y="2806093"/>
-            <a:ext cx="4073964" cy="3393734"/>
-          </a:xfrm>
-          <a:prstGeom prst="rect">
-            <a:avLst/>
-          </a:prstGeom>
-        </p:spPr>
-      </p:pic>
-    </p:spTree>
-    <p:extLst>
-      <p:ext uri="{BB962C8B-B14F-4D97-AF65-F5344CB8AC3E}">
-        <p14:creationId xmlns:p14="http://schemas.microsoft.com/office/powerpoint/2010/main" val="1307158052"/>
       </p:ext>
     </p:extLst>
   </p:cSld>

--- a/Documentation/BILLY NO WEIGHTS.pptx
+++ b/Documentation/BILLY NO WEIGHTS.pptx
@@ -5615,6 +5615,9 @@
               <a:rPr lang="en-GB" dirty="0" smtClean="0"/>
               <a:t>Testing</a:t>
             </a:r>
+            <a:br>
+              <a:rPr lang="en-GB" dirty="0" smtClean="0"/>
+            </a:br>
             <a:endParaRPr lang="en-GB" dirty="0"/>
           </a:p>
         </p:txBody>
@@ -5643,7 +5646,7 @@
         </p:blipFill>
         <p:spPr>
           <a:xfrm>
-            <a:off x="892903" y="3310236"/>
+            <a:off x="7041638" y="941108"/>
             <a:ext cx="3422423" cy="2669645"/>
           </a:xfrm>
         </p:spPr>
@@ -5664,7 +5667,7 @@
         </p:blipFill>
         <p:spPr>
           <a:xfrm>
-            <a:off x="6108192" y="443547"/>
+            <a:off x="5775683" y="3790604"/>
             <a:ext cx="4610100" cy="2495550"/>
           </a:xfrm>
           <a:prstGeom prst="rect">
@@ -5693,8 +5696,8 @@
         </p:blipFill>
         <p:spPr>
           <a:xfrm>
-            <a:off x="5348270" y="2806093"/>
-            <a:ext cx="4073964" cy="3393734"/>
+            <a:off x="718081" y="1903615"/>
+            <a:ext cx="4530423" cy="3773978"/>
           </a:xfrm>
           <a:prstGeom prst="rect">
             <a:avLst/>
@@ -5767,8 +5770,11 @@
           <a:p>
             <a:r>
               <a:rPr lang="en-GB" dirty="0" smtClean="0"/>
-              <a:t>Technologies Used &amp; DevOps Pipeline</a:t>
-            </a:r>
+              <a:t>Deployment</a:t>
+            </a:r>
+            <a:br>
+              <a:rPr lang="en-GB" dirty="0" smtClean="0"/>
+            </a:br>
             <a:endParaRPr lang="en-GB" dirty="0"/>
           </a:p>
         </p:txBody>
@@ -5957,8 +5963,15 @@
           <a:p>
             <a:r>
               <a:rPr lang="en-GB" dirty="0" smtClean="0"/>
-              <a:t>Continuous Integration</a:t>
-            </a:r>
+              <a:t>Continuous </a:t>
+            </a:r>
+            <a:r>
+              <a:rPr lang="en-GB" dirty="0" smtClean="0"/>
+              <a:t>Integration</a:t>
+            </a:r>
+            <a:br>
+              <a:rPr lang="en-GB" dirty="0" smtClean="0"/>
+            </a:br>
             <a:endParaRPr lang="en-GB" dirty="0"/>
           </a:p>
         </p:txBody>
@@ -6081,6 +6094,9 @@
               <a:rPr lang="en-GB" dirty="0" smtClean="0"/>
               <a:t>Summary</a:t>
             </a:r>
+            <a:br>
+              <a:rPr lang="en-GB" dirty="0" smtClean="0"/>
+            </a:br>
             <a:endParaRPr lang="en-GB" dirty="0"/>
           </a:p>
         </p:txBody>
@@ -6097,8 +6113,8 @@
         </p:nvSpPr>
         <p:spPr>
           <a:xfrm>
-            <a:off x="1085409" y="1698223"/>
-            <a:ext cx="3871602" cy="4351337"/>
+            <a:off x="1085409" y="1970116"/>
+            <a:ext cx="3871602" cy="4079444"/>
           </a:xfrm>
         </p:spPr>
         <p:txBody>
@@ -6143,8 +6159,8 @@
         </p:nvSpPr>
         <p:spPr>
           <a:xfrm>
-            <a:off x="5729598" y="1698223"/>
-            <a:ext cx="3871602" cy="4351337"/>
+            <a:off x="5729598" y="1970116"/>
+            <a:ext cx="3871602" cy="4079444"/>
           </a:xfrm>
           <a:prstGeom prst="rect">
             <a:avLst/>
@@ -6659,7 +6675,18 @@
           <a:p>
             <a:r>
               <a:rPr lang="en-GB" dirty="0" smtClean="0"/>
-              <a:t>The Brief	</a:t>
+              <a:t>The </a:t>
+            </a:r>
+            <a:r>
+              <a:rPr lang="en-GB" dirty="0" smtClean="0"/>
+              <a:t>Brief</a:t>
+            </a:r>
+            <a:br>
+              <a:rPr lang="en-GB" dirty="0" smtClean="0"/>
+            </a:br>
+            <a:r>
+              <a:rPr lang="en-GB" dirty="0" smtClean="0"/>
+              <a:t>	</a:t>
             </a:r>
             <a:endParaRPr lang="en-GB" dirty="0"/>
           </a:p>
@@ -6694,8 +6721,19 @@
           <a:p>
             <a:r>
               <a:rPr lang="en-GB" dirty="0" smtClean="0"/>
-              <a:t>CRUD functionality</a:t>
-            </a:r>
+              <a:t>CRUD </a:t>
+            </a:r>
+            <a:r>
+              <a:rPr lang="en-GB" dirty="0" smtClean="0"/>
+              <a:t>functionality</a:t>
+            </a:r>
+          </a:p>
+          <a:p>
+            <a:r>
+              <a:rPr lang="en-GB" dirty="0" smtClean="0"/>
+              <a:t>Relational Database</a:t>
+            </a:r>
+            <a:endParaRPr lang="en-GB" dirty="0" smtClean="0"/>
           </a:p>
           <a:p>
             <a:endParaRPr lang="en-GB" dirty="0"/>
@@ -6768,8 +6806,15 @@
           <a:p>
             <a:r>
               <a:rPr lang="en-US" dirty="0" smtClean="0"/>
-              <a:t>Proposed Solution</a:t>
-            </a:r>
+              <a:t>Proposed </a:t>
+            </a:r>
+            <a:r>
+              <a:rPr lang="en-US" dirty="0" smtClean="0"/>
+              <a:t>Solution</a:t>
+            </a:r>
+            <a:br>
+              <a:rPr lang="en-US" dirty="0" smtClean="0"/>
+            </a:br>
             <a:endParaRPr lang="en-US" dirty="0"/>
           </a:p>
         </p:txBody>
@@ -6931,6 +6976,9 @@
               <a:rPr lang="en-US" dirty="0" smtClean="0"/>
               <a:t>Solution</a:t>
             </a:r>
+            <a:br>
+              <a:rPr lang="en-US" dirty="0" smtClean="0"/>
+            </a:br>
             <a:endParaRPr lang="en-US" dirty="0"/>
           </a:p>
         </p:txBody>
@@ -7032,6 +7080,9 @@
               <a:rPr lang="en-US" dirty="0" smtClean="0"/>
               <a:t>Solution</a:t>
             </a:r>
+            <a:br>
+              <a:rPr lang="en-US" dirty="0" smtClean="0"/>
+            </a:br>
             <a:endParaRPr lang="en-US" dirty="0"/>
           </a:p>
         </p:txBody>
@@ -7133,6 +7184,9 @@
               <a:rPr lang="en-GB" dirty="0" smtClean="0"/>
               <a:t>Solution</a:t>
             </a:r>
+            <a:br>
+              <a:rPr lang="en-GB" dirty="0" smtClean="0"/>
+            </a:br>
             <a:endParaRPr lang="en-GB" dirty="0"/>
           </a:p>
         </p:txBody>
@@ -7227,6 +7281,9 @@
               <a:rPr lang="en-US" dirty="0" smtClean="0"/>
               <a:t>Solution</a:t>
             </a:r>
+            <a:br>
+              <a:rPr lang="en-US" dirty="0" smtClean="0"/>
+            </a:br>
             <a:endParaRPr lang="en-US" dirty="0"/>
           </a:p>
         </p:txBody>
@@ -7326,8 +7383,15 @@
           <a:p>
             <a:r>
               <a:rPr lang="en-US" dirty="0" smtClean="0"/>
-              <a:t>Entity Relationship Diagram</a:t>
-            </a:r>
+              <a:t>Entity Relationship </a:t>
+            </a:r>
+            <a:r>
+              <a:rPr lang="en-US" dirty="0" smtClean="0"/>
+              <a:t>Diagram</a:t>
+            </a:r>
+            <a:br>
+              <a:rPr lang="en-US" dirty="0" smtClean="0"/>
+            </a:br>
             <a:endParaRPr lang="en-US" dirty="0"/>
           </a:p>
         </p:txBody>
@@ -7427,8 +7491,15 @@
           <a:p>
             <a:r>
               <a:rPr lang="en-US" dirty="0" smtClean="0"/>
-              <a:t>UML Class Diagram</a:t>
-            </a:r>
+              <a:t>UML Class </a:t>
+            </a:r>
+            <a:r>
+              <a:rPr lang="en-US" dirty="0" smtClean="0"/>
+              <a:t>Diagram</a:t>
+            </a:r>
+            <a:br>
+              <a:rPr lang="en-US" dirty="0" smtClean="0"/>
+            </a:br>
             <a:endParaRPr lang="en-US" dirty="0"/>
           </a:p>
         </p:txBody>
@@ -7457,7 +7528,7 @@
         </p:blipFill>
         <p:spPr>
           <a:xfrm>
-            <a:off x="2110863" y="1828800"/>
+            <a:off x="2077612" y="1691322"/>
             <a:ext cx="6897125" cy="4351338"/>
           </a:xfrm>
         </p:spPr>
